--- a/Slides. Chapter1-PhDthesis.pptx
+++ b/Slides. Chapter1-PhDthesis.pptx
@@ -3283,7 +3283,7 @@
           <a:p>
             <a:fld id="{30D1E74D-D323-4D33-B539-E28BE928DB8F}" type="datetimeFigureOut">
               <a:rPr lang="en-GB" smtClean="0"/>
-              <a:t>23/02/2024</a:t>
+              <a:t>24/02/2024</a:t>
             </a:fld>
             <a:endParaRPr lang="en-GB"/>
           </a:p>
@@ -3483,7 +3483,7 @@
           <a:p>
             <a:fld id="{30D1E74D-D323-4D33-B539-E28BE928DB8F}" type="datetimeFigureOut">
               <a:rPr lang="en-GB" smtClean="0"/>
-              <a:t>23/02/2024</a:t>
+              <a:t>24/02/2024</a:t>
             </a:fld>
             <a:endParaRPr lang="en-GB"/>
           </a:p>
@@ -3693,7 +3693,7 @@
           <a:p>
             <a:fld id="{30D1E74D-D323-4D33-B539-E28BE928DB8F}" type="datetimeFigureOut">
               <a:rPr lang="en-GB" smtClean="0"/>
-              <a:t>23/02/2024</a:t>
+              <a:t>24/02/2024</a:t>
             </a:fld>
             <a:endParaRPr lang="en-GB"/>
           </a:p>
@@ -3893,7 +3893,7 @@
           <a:p>
             <a:fld id="{30D1E74D-D323-4D33-B539-E28BE928DB8F}" type="datetimeFigureOut">
               <a:rPr lang="en-GB" smtClean="0"/>
-              <a:t>23/02/2024</a:t>
+              <a:t>24/02/2024</a:t>
             </a:fld>
             <a:endParaRPr lang="en-GB"/>
           </a:p>
@@ -4169,7 +4169,7 @@
           <a:p>
             <a:fld id="{30D1E74D-D323-4D33-B539-E28BE928DB8F}" type="datetimeFigureOut">
               <a:rPr lang="en-GB" smtClean="0"/>
-              <a:t>23/02/2024</a:t>
+              <a:t>24/02/2024</a:t>
             </a:fld>
             <a:endParaRPr lang="en-GB"/>
           </a:p>
@@ -4437,7 +4437,7 @@
           <a:p>
             <a:fld id="{30D1E74D-D323-4D33-B539-E28BE928DB8F}" type="datetimeFigureOut">
               <a:rPr lang="en-GB" smtClean="0"/>
-              <a:t>23/02/2024</a:t>
+              <a:t>24/02/2024</a:t>
             </a:fld>
             <a:endParaRPr lang="en-GB"/>
           </a:p>
@@ -4852,7 +4852,7 @@
           <a:p>
             <a:fld id="{30D1E74D-D323-4D33-B539-E28BE928DB8F}" type="datetimeFigureOut">
               <a:rPr lang="en-GB" smtClean="0"/>
-              <a:t>23/02/2024</a:t>
+              <a:t>24/02/2024</a:t>
             </a:fld>
             <a:endParaRPr lang="en-GB"/>
           </a:p>
@@ -4994,7 +4994,7 @@
           <a:p>
             <a:fld id="{30D1E74D-D323-4D33-B539-E28BE928DB8F}" type="datetimeFigureOut">
               <a:rPr lang="en-GB" smtClean="0"/>
-              <a:t>23/02/2024</a:t>
+              <a:t>24/02/2024</a:t>
             </a:fld>
             <a:endParaRPr lang="en-GB"/>
           </a:p>
@@ -5107,7 +5107,7 @@
           <a:p>
             <a:fld id="{30D1E74D-D323-4D33-B539-E28BE928DB8F}" type="datetimeFigureOut">
               <a:rPr lang="en-GB" smtClean="0"/>
-              <a:t>23/02/2024</a:t>
+              <a:t>24/02/2024</a:t>
             </a:fld>
             <a:endParaRPr lang="en-GB"/>
           </a:p>
@@ -5420,7 +5420,7 @@
           <a:p>
             <a:fld id="{30D1E74D-D323-4D33-B539-E28BE928DB8F}" type="datetimeFigureOut">
               <a:rPr lang="en-GB" smtClean="0"/>
-              <a:t>23/02/2024</a:t>
+              <a:t>24/02/2024</a:t>
             </a:fld>
             <a:endParaRPr lang="en-GB"/>
           </a:p>
@@ -5709,7 +5709,7 @@
           <a:p>
             <a:fld id="{30D1E74D-D323-4D33-B539-E28BE928DB8F}" type="datetimeFigureOut">
               <a:rPr lang="en-GB" smtClean="0"/>
-              <a:t>23/02/2024</a:t>
+              <a:t>24/02/2024</a:t>
             </a:fld>
             <a:endParaRPr lang="en-GB"/>
           </a:p>
@@ -5952,7 +5952,7 @@
           <a:p>
             <a:fld id="{30D1E74D-D323-4D33-B539-E28BE928DB8F}" type="datetimeFigureOut">
               <a:rPr lang="en-GB" smtClean="0"/>
-              <a:t>23/02/2024</a:t>
+              <a:t>24/02/2024</a:t>
             </a:fld>
             <a:endParaRPr lang="en-GB"/>
           </a:p>

--- a/Slides. Chapter1-PhDthesis.pptx
+++ b/Slides. Chapter1-PhDthesis.pptx
@@ -3283,7 +3283,7 @@
           <a:p>
             <a:fld id="{30D1E74D-D323-4D33-B539-E28BE928DB8F}" type="datetimeFigureOut">
               <a:rPr lang="en-GB" smtClean="0"/>
-              <a:t>24/02/2024</a:t>
+              <a:t>26/02/2024</a:t>
             </a:fld>
             <a:endParaRPr lang="en-GB"/>
           </a:p>
@@ -3483,7 +3483,7 @@
           <a:p>
             <a:fld id="{30D1E74D-D323-4D33-B539-E28BE928DB8F}" type="datetimeFigureOut">
               <a:rPr lang="en-GB" smtClean="0"/>
-              <a:t>24/02/2024</a:t>
+              <a:t>26/02/2024</a:t>
             </a:fld>
             <a:endParaRPr lang="en-GB"/>
           </a:p>
@@ -3693,7 +3693,7 @@
           <a:p>
             <a:fld id="{30D1E74D-D323-4D33-B539-E28BE928DB8F}" type="datetimeFigureOut">
               <a:rPr lang="en-GB" smtClean="0"/>
-              <a:t>24/02/2024</a:t>
+              <a:t>26/02/2024</a:t>
             </a:fld>
             <a:endParaRPr lang="en-GB"/>
           </a:p>
@@ -3893,7 +3893,7 @@
           <a:p>
             <a:fld id="{30D1E74D-D323-4D33-B539-E28BE928DB8F}" type="datetimeFigureOut">
               <a:rPr lang="en-GB" smtClean="0"/>
-              <a:t>24/02/2024</a:t>
+              <a:t>26/02/2024</a:t>
             </a:fld>
             <a:endParaRPr lang="en-GB"/>
           </a:p>
@@ -4169,7 +4169,7 @@
           <a:p>
             <a:fld id="{30D1E74D-D323-4D33-B539-E28BE928DB8F}" type="datetimeFigureOut">
               <a:rPr lang="en-GB" smtClean="0"/>
-              <a:t>24/02/2024</a:t>
+              <a:t>26/02/2024</a:t>
             </a:fld>
             <a:endParaRPr lang="en-GB"/>
           </a:p>
@@ -4437,7 +4437,7 @@
           <a:p>
             <a:fld id="{30D1E74D-D323-4D33-B539-E28BE928DB8F}" type="datetimeFigureOut">
               <a:rPr lang="en-GB" smtClean="0"/>
-              <a:t>24/02/2024</a:t>
+              <a:t>26/02/2024</a:t>
             </a:fld>
             <a:endParaRPr lang="en-GB"/>
           </a:p>
@@ -4852,7 +4852,7 @@
           <a:p>
             <a:fld id="{30D1E74D-D323-4D33-B539-E28BE928DB8F}" type="datetimeFigureOut">
               <a:rPr lang="en-GB" smtClean="0"/>
-              <a:t>24/02/2024</a:t>
+              <a:t>26/02/2024</a:t>
             </a:fld>
             <a:endParaRPr lang="en-GB"/>
           </a:p>
@@ -4994,7 +4994,7 @@
           <a:p>
             <a:fld id="{30D1E74D-D323-4D33-B539-E28BE928DB8F}" type="datetimeFigureOut">
               <a:rPr lang="en-GB" smtClean="0"/>
-              <a:t>24/02/2024</a:t>
+              <a:t>26/02/2024</a:t>
             </a:fld>
             <a:endParaRPr lang="en-GB"/>
           </a:p>
@@ -5107,7 +5107,7 @@
           <a:p>
             <a:fld id="{30D1E74D-D323-4D33-B539-E28BE928DB8F}" type="datetimeFigureOut">
               <a:rPr lang="en-GB" smtClean="0"/>
-              <a:t>24/02/2024</a:t>
+              <a:t>26/02/2024</a:t>
             </a:fld>
             <a:endParaRPr lang="en-GB"/>
           </a:p>
@@ -5420,7 +5420,7 @@
           <a:p>
             <a:fld id="{30D1E74D-D323-4D33-B539-E28BE928DB8F}" type="datetimeFigureOut">
               <a:rPr lang="en-GB" smtClean="0"/>
-              <a:t>24/02/2024</a:t>
+              <a:t>26/02/2024</a:t>
             </a:fld>
             <a:endParaRPr lang="en-GB"/>
           </a:p>
@@ -5709,7 +5709,7 @@
           <a:p>
             <a:fld id="{30D1E74D-D323-4D33-B539-E28BE928DB8F}" type="datetimeFigureOut">
               <a:rPr lang="en-GB" smtClean="0"/>
-              <a:t>24/02/2024</a:t>
+              <a:t>26/02/2024</a:t>
             </a:fld>
             <a:endParaRPr lang="en-GB"/>
           </a:p>
@@ -5952,7 +5952,7 @@
           <a:p>
             <a:fld id="{30D1E74D-D323-4D33-B539-E28BE928DB8F}" type="datetimeFigureOut">
               <a:rPr lang="en-GB" smtClean="0"/>
-              <a:t>24/02/2024</a:t>
+              <a:t>26/02/2024</a:t>
             </a:fld>
             <a:endParaRPr lang="en-GB"/>
           </a:p>
